--- a/2025/0311_VSLiveLasVegas/Getting Started with WinUI/VSLive Vegas 25 - Getting Started with WinUI.pptx
+++ b/2025/0311_VSLiveLasVegas/Getting Started with WinUI/VSLive Vegas 25 - Getting Started with WinUI.pptx
@@ -1,6 +1,6 @@
 
 <file path=ppt/presentation.xml><?xml version="1.0" encoding="utf-8"?>
-<p:presentation xmlns:a="http://schemas.openxmlformats.org/drawingml/2006/main" xmlns:r="http://schemas.openxmlformats.org/officeDocument/2006/relationships" xmlns:p="http://schemas.openxmlformats.org/presentationml/2006/main" removePersonalInfoOnSave="1" saveSubsetFonts="1">
+<p:presentation xmlns:a="http://schemas.openxmlformats.org/drawingml/2006/main" xmlns:r="http://schemas.openxmlformats.org/officeDocument/2006/relationships" xmlns:p="http://schemas.openxmlformats.org/presentationml/2006/main" saveSubsetFonts="1">
   <p:sldMasterIdLst>
     <p:sldMasterId id="2147483682" r:id="rId1"/>
     <p:sldMasterId id="2147483760" r:id="rId2"/>
@@ -690,6 +690,87 @@
           <a:bodyPr/>
           <a:lstStyle/>
           <a:p>
+            <a:r>
+              <a:rPr lang="en-US" dirty="0"/>
+              <a:t>Now let’s take a quick look at an Uno Platform version of the My Media Collection app that we looked at in some previous demos. We can try running this in Windows and Android, and if there’s time, we’ll give the </a:t>
+            </a:r>
+            <a:r>
+              <a:rPr lang="en-US" dirty="0" err="1"/>
+              <a:t>WebAssembly</a:t>
+            </a:r>
+            <a:r>
+              <a:rPr lang="en-US" dirty="0"/>
+              <a:t> project a try.</a:t>
+            </a:r>
+          </a:p>
+          <a:p>
+            <a:endParaRPr lang="en-US" dirty="0"/>
+          </a:p>
+          <a:p>
+            <a:r>
+              <a:rPr lang="en-US" dirty="0"/>
+              <a:t>Chapter 13 has Uno Platform project</a:t>
+            </a:r>
+          </a:p>
+        </p:txBody>
+      </p:sp>
+    </p:spTree>
+    <p:extLst>
+      <p:ext uri="{BB962C8B-B14F-4D97-AF65-F5344CB8AC3E}">
+        <p14:creationId xmlns:p14="http://schemas.microsoft.com/office/powerpoint/2010/main" val="353549904"/>
+      </p:ext>
+    </p:extLst>
+  </p:cSld>
+  <p:clrMapOvr>
+    <a:masterClrMapping/>
+  </p:clrMapOvr>
+</p:notes>
+</file>
+
+<file path=ppt/notesSlides/notesSlide11.xml><?xml version="1.0" encoding="utf-8"?>
+<p:notes xmlns:a="http://schemas.openxmlformats.org/drawingml/2006/main" xmlns:r="http://schemas.openxmlformats.org/officeDocument/2006/relationships" xmlns:p="http://schemas.openxmlformats.org/presentationml/2006/main">
+  <p:cSld>
+    <p:spTree>
+      <p:nvGrpSpPr>
+        <p:cNvPr id="1" name=""/>
+        <p:cNvGrpSpPr/>
+        <p:nvPr/>
+      </p:nvGrpSpPr>
+      <p:grpSpPr>
+        <a:xfrm>
+          <a:off x="0" y="0"/>
+          <a:ext cx="0" cy="0"/>
+          <a:chOff x="0" y="0"/>
+          <a:chExt cx="0" cy="0"/>
+        </a:xfrm>
+      </p:grpSpPr>
+      <p:sp>
+        <p:nvSpPr>
+          <p:cNvPr id="2" name="Slide Image Placeholder 1"/>
+          <p:cNvSpPr>
+            <a:spLocks noGrp="1" noRot="1" noChangeAspect="1"/>
+          </p:cNvSpPr>
+          <p:nvPr>
+            <p:ph type="sldImg"/>
+          </p:nvPr>
+        </p:nvSpPr>
+        <p:spPr/>
+      </p:sp>
+      <p:sp>
+        <p:nvSpPr>
+          <p:cNvPr id="3" name="Notes Placeholder 2"/>
+          <p:cNvSpPr>
+            <a:spLocks noGrp="1"/>
+          </p:cNvSpPr>
+          <p:nvPr>
+            <p:ph type="body" idx="1"/>
+          </p:nvPr>
+        </p:nvSpPr>
+        <p:spPr/>
+        <p:txBody>
+          <a:bodyPr/>
+          <a:lstStyle/>
+          <a:p>
             <a:pPr marL="0" marR="0" lvl="0" indent="0" algn="l" defTabSz="914400" rtl="0" eaLnBrk="1" fontAlgn="auto" latinLnBrk="0" hangingPunct="1">
               <a:lnSpc>
                 <a:spcPct val="100000"/>
@@ -735,7 +816,7 @@
 </p:notes>
 </file>
 
-<file path=ppt/notesSlides/notesSlide11.xml><?xml version="1.0" encoding="utf-8"?>
+<file path=ppt/notesSlides/notesSlide12.xml><?xml version="1.0" encoding="utf-8"?>
 <p:notes xmlns:a="http://schemas.openxmlformats.org/drawingml/2006/main" xmlns:r="http://schemas.openxmlformats.org/officeDocument/2006/relationships" xmlns:p="http://schemas.openxmlformats.org/presentationml/2006/main">
   <p:cSld>
     <p:spTree>
@@ -862,79 +943,15 @@
           <a:p>
             <a:r>
               <a:rPr lang="en-US" dirty="0"/>
-              <a:t>A little background about me…</a:t>
-            </a:r>
-          </a:p>
-          <a:p>
-            <a:endParaRPr lang="en-US" dirty="0"/>
-          </a:p>
-          <a:p>
-            <a:r>
-              <a:rPr lang="en-US" dirty="0"/>
-              <a:t>For those who don’t know me, I’ve been in the software industry since 1995, with most of that time (over 25) years spent as a developer and architect using various Microsoft technologies.</a:t>
-            </a:r>
-          </a:p>
-          <a:p>
-            <a:endParaRPr lang="en-US" dirty="0"/>
-          </a:p>
-          <a:p>
-            <a:r>
-              <a:rPr lang="en-US" dirty="0"/>
-              <a:t>Some of you may also be familiar with my blog, the Morning Dew, where I’ve been posting daily links for .NET developers since 2007.</a:t>
-            </a:r>
-          </a:p>
-          <a:p>
-            <a:endParaRPr lang="en-US" dirty="0"/>
-          </a:p>
-          <a:p>
-            <a:r>
-              <a:rPr lang="en-US" dirty="0"/>
-              <a:t>I also have three books from </a:t>
-            </a:r>
-            <a:r>
-              <a:rPr lang="en-US" dirty="0" err="1"/>
-              <a:t>Packt</a:t>
-            </a:r>
-            <a:r>
-              <a:rPr lang="en-US" dirty="0"/>
-              <a:t> Publishing. You can check those out on </a:t>
-            </a:r>
-            <a:r>
-              <a:rPr lang="en-US" dirty="0" err="1"/>
-              <a:t>Packt’s</a:t>
-            </a:r>
-            <a:r>
-              <a:rPr lang="en-US" dirty="0"/>
-              <a:t> website or on Amazon. Just search for my name.</a:t>
-            </a:r>
-          </a:p>
-          <a:p>
-            <a:endParaRPr lang="en-US" dirty="0"/>
-          </a:p>
-          <a:p>
-            <a:r>
-              <a:rPr lang="en-US" dirty="0"/>
-              <a:t>Writing those books led me to pivot my career to technical writing. I joined Microsoft two years ago as a content developer. I write documentation, training modules, and code samples on Microsoft Learn. I work on the Windows developer docs team, helping to maintain the docs for client apps and APIs. I have another talk I give about my work as a content developer and how anyone can contribute to content on Learn through GitHub issues and PRs.</a:t>
-            </a:r>
-          </a:p>
-          <a:p>
-            <a:endParaRPr lang="en-US" dirty="0"/>
-          </a:p>
-          <a:p>
-            <a:r>
-              <a:rPr lang="en-US" dirty="0"/>
-              <a:t>Finally, I’m one of the founding organizers of the TechBash developer conference. We’ve been running the event in the Poconos since 2016.</a:t>
-            </a:r>
-          </a:p>
-          <a:p>
-            <a:endParaRPr lang="en-US" dirty="0"/>
+              <a:t>Make sure to complete your session surveys. Your feedback helps the event, and it helps me improve my talks.</a:t>
+            </a:r>
           </a:p>
         </p:txBody>
       </p:sp>
     </p:spTree>
     <p:extLst>
       <p:ext uri="{BB962C8B-B14F-4D97-AF65-F5344CB8AC3E}">
-        <p14:creationId xmlns:p14="http://schemas.microsoft.com/office/powerpoint/2010/main" val="2376181485"/>
+        <p14:creationId xmlns:p14="http://schemas.microsoft.com/office/powerpoint/2010/main" val="3823958946"/>
       </p:ext>
     </p:extLst>
   </p:cSld>
@@ -990,15 +1007,50 @@
           <a:p>
             <a:r>
               <a:rPr lang="en-US" dirty="0"/>
-              <a:t>A brief history and some background  on </a:t>
+              <a:t>A little background about me…</a:t>
+            </a:r>
+          </a:p>
+          <a:p>
+            <a:endParaRPr lang="en-US" dirty="0"/>
+          </a:p>
+          <a:p>
+            <a:r>
+              <a:rPr lang="en-US" dirty="0"/>
+              <a:t>For those who don’t know me, I’ve been in the software industry since 1995, with most of that time (over 25) years spent as a developer and architect using various Microsoft technologies.</a:t>
+            </a:r>
+          </a:p>
+          <a:p>
+            <a:endParaRPr lang="en-US" dirty="0"/>
+          </a:p>
+          <a:p>
+            <a:r>
+              <a:rPr lang="en-US" dirty="0"/>
+              <a:t>Some of you may also be familiar with my blog, the Morning Dew, where I’ve been posting daily links for .NET developers since 2007.</a:t>
+            </a:r>
+          </a:p>
+          <a:p>
+            <a:endParaRPr lang="en-US" dirty="0"/>
+          </a:p>
+          <a:p>
+            <a:r>
+              <a:rPr lang="en-US" dirty="0"/>
+              <a:t>I also have three books from </a:t>
             </a:r>
             <a:r>
               <a:rPr lang="en-US" dirty="0" err="1"/>
-              <a:t>WinUI</a:t>
-            </a:r>
-            <a:r>
-              <a:rPr lang="en-US" dirty="0"/>
-              <a:t> 3 and the Windows App SDK.</a:t>
+              <a:t>Packt</a:t>
+            </a:r>
+            <a:r>
+              <a:rPr lang="en-US" dirty="0"/>
+              <a:t> Publishing. You can check those out on </a:t>
+            </a:r>
+            <a:r>
+              <a:rPr lang="en-US" dirty="0" err="1"/>
+              <a:t>Packt’s</a:t>
+            </a:r>
+            <a:r>
+              <a:rPr lang="en-US" dirty="0"/>
+              <a:t> website or on Amazon. Just search for my name.</a:t>
             </a:r>
           </a:p>
           <a:p>
@@ -1006,20 +1058,8 @@
           </a:p>
           <a:p>
             <a:r>
-              <a:rPr lang="en-US" dirty="0" err="1"/>
-              <a:t>WinUI</a:t>
-            </a:r>
-            <a:r>
-              <a:rPr lang="en-US" dirty="0"/>
-              <a:t> 3 is a part of the Windows App SDK. It’s probably the main thing that most people associate with Windows App SDK, but the SDK has APIs and capabilities that can be leveraged from </a:t>
-            </a:r>
-            <a:r>
-              <a:rPr lang="en-US" dirty="0" err="1"/>
-              <a:t>WinUI</a:t>
-            </a:r>
-            <a:r>
-              <a:rPr lang="en-US" dirty="0"/>
-              <a:t> 3 apps and other Windows apps.</a:t>
+              <a:rPr lang="en-US" dirty="0"/>
+              <a:t>Writing those books led me to pivot my career to technical writing. I joined Microsoft two years ago as a content developer. I write documentation, training modules, and code samples on Microsoft Learn. I work on the Windows developer docs team, helping to maintain the docs for client apps and APIs. I have another talk I give about my work as a content developer and how anyone can contribute to content on Learn through GitHub issues and PRs.</a:t>
             </a:r>
           </a:p>
           <a:p>
@@ -1027,105 +1067,8 @@
           </a:p>
           <a:p>
             <a:r>
-              <a:rPr lang="en-US" dirty="0" err="1"/>
-              <a:t>WinUI</a:t>
-            </a:r>
-            <a:r>
-              <a:rPr lang="en-US" dirty="0"/>
-              <a:t> 3 was released in March of 2021 along with version 1.0 of Windows App SDK. It came out about a week after the first edition of my </a:t>
-            </a:r>
-            <a:r>
-              <a:rPr lang="en-US" dirty="0" err="1"/>
-              <a:t>WinUI</a:t>
-            </a:r>
-            <a:r>
-              <a:rPr lang="en-US" dirty="0"/>
-              <a:t> book was published.</a:t>
-            </a:r>
-          </a:p>
-          <a:p>
-            <a:endParaRPr lang="en-US" dirty="0"/>
-          </a:p>
-          <a:p>
-            <a:r>
-              <a:rPr lang="en-US" dirty="0" err="1"/>
-              <a:t>WinUI</a:t>
-            </a:r>
-            <a:r>
-              <a:rPr lang="en-US" dirty="0"/>
-              <a:t> 3 C# apps run on the .NET runtime. You can create </a:t>
-            </a:r>
-            <a:r>
-              <a:rPr lang="en-US" dirty="0" err="1"/>
-              <a:t>WinUI</a:t>
-            </a:r>
-            <a:r>
-              <a:rPr lang="en-US" dirty="0"/>
-              <a:t> 3 apps on .NET 8 today. I know some developers who are experimenting with </a:t>
-            </a:r>
-            <a:r>
-              <a:rPr lang="en-US" dirty="0" err="1"/>
-              <a:t>WinUI</a:t>
-            </a:r>
-            <a:r>
-              <a:rPr lang="en-US" dirty="0"/>
-              <a:t> 3 running on .NET 9 previews.</a:t>
-            </a:r>
-          </a:p>
-          <a:p>
-            <a:endParaRPr lang="en-US" dirty="0"/>
-          </a:p>
-          <a:p>
-            <a:r>
-              <a:rPr lang="en-US" dirty="0"/>
-              <a:t>The most popular project type is a C# app with a XAML UI, but you can also use C++ and XAML. You can technically construct the contents of your UI in your C# code-behind files, but you still need to have a XAML file to host the root page or Window element.</a:t>
-            </a:r>
-          </a:p>
-          <a:p>
-            <a:endParaRPr lang="en-US" dirty="0"/>
-          </a:p>
-          <a:p>
-            <a:r>
-              <a:rPr lang="en-US" dirty="0"/>
-              <a:t>The latest stable release of Windows App SDK is version 1.5, which was released a few weeks ago.</a:t>
-            </a:r>
-          </a:p>
-          <a:p>
-            <a:endParaRPr lang="en-US" dirty="0"/>
-          </a:p>
-          <a:p>
-            <a:r>
-              <a:rPr lang="en-US" dirty="0"/>
-              <a:t>If you attended my session last month, we compared </a:t>
-            </a:r>
-            <a:r>
-              <a:rPr lang="en-US" dirty="0" err="1"/>
-              <a:t>WinUI</a:t>
-            </a:r>
-            <a:r>
-              <a:rPr lang="en-US" dirty="0"/>
-              <a:t> 3 to some of the other Windows development frameworks. You can also check out this link to a Microsoft Learn page that compares the options, breaking down the differences between them.</a:t>
-            </a:r>
-          </a:p>
-          <a:p>
-            <a:endParaRPr lang="en-US" dirty="0"/>
-          </a:p>
-          <a:p>
-            <a:r>
-              <a:rPr lang="en-US" dirty="0" err="1"/>
-              <a:t>WinUI</a:t>
-            </a:r>
-            <a:r>
-              <a:rPr lang="en-US" dirty="0"/>
-              <a:t> 3 is released as read-only on open source. That means that while you can’t contribute PRs to the framework, you can use the source for some enhanced debugging. The last </a:t>
-            </a:r>
-            <a:r>
-              <a:rPr lang="en-US" dirty="0" err="1"/>
-              <a:t>WinUI</a:t>
-            </a:r>
-            <a:r>
-              <a:rPr lang="en-US" dirty="0"/>
-              <a:t> Community Call demonstrated how debugging with the source can help pinpoint problems while debugging.</a:t>
+              <a:rPr lang="en-US" dirty="0"/>
+              <a:t>Finally, I’m one of the founding organizers of the TechBash developer conference. We’ve been running the event in the Poconos since 2016.</a:t>
             </a:r>
           </a:p>
           <a:p>
@@ -1136,7 +1079,7 @@
     </p:spTree>
     <p:extLst>
       <p:ext uri="{BB962C8B-B14F-4D97-AF65-F5344CB8AC3E}">
-        <p14:creationId xmlns:p14="http://schemas.microsoft.com/office/powerpoint/2010/main" val="3832508067"/>
+        <p14:creationId xmlns:p14="http://schemas.microsoft.com/office/powerpoint/2010/main" val="2376181485"/>
       </p:ext>
     </p:extLst>
   </p:cSld>
@@ -1192,7 +1135,7 @@
           <a:p>
             <a:r>
               <a:rPr lang="en-US" dirty="0"/>
-              <a:t>We’ll do a couple of quick demos next. One will be starting a new </a:t>
+              <a:t>A brief history and some background  on </a:t>
             </a:r>
             <a:r>
               <a:rPr lang="en-US" dirty="0" err="1"/>
@@ -1200,53 +1143,145 @@
             </a:r>
             <a:r>
               <a:rPr lang="en-US" dirty="0"/>
-              <a:t> project in Visual Studio. The second project is taken from Chapter 5 of my book. We’ll examine some of the controls and see how I used the MVVM Toolkit from the .NET Community Toolkit to leverage the MVVM pattern in my code.</a:t>
+              <a:t> 3 and the Windows App SDK.</a:t>
             </a:r>
           </a:p>
           <a:p>
             <a:endParaRPr lang="en-US" dirty="0"/>
           </a:p>
           <a:p>
-            <a:pPr marL="171450" indent="-171450">
-              <a:buFontTx/>
-              <a:buChar char="-"/>
-            </a:pPr>
-            <a:r>
-              <a:rPr lang="en-US" dirty="0"/>
-              <a:t>Create new </a:t>
-            </a:r>
             <a:r>
               <a:rPr lang="en-US" dirty="0" err="1"/>
               <a:t>WinUI</a:t>
             </a:r>
             <a:r>
               <a:rPr lang="en-US" dirty="0"/>
-              <a:t> 3 in Desktop project.</a:t>
-            </a:r>
-          </a:p>
-          <a:p>
-            <a:pPr marL="0" indent="0">
-              <a:buFontTx/>
-              <a:buNone/>
-            </a:pPr>
+              <a:t> 3 is a part of the Windows App SDK. It’s probably the main thing that most people associate with Windows App SDK, but the SDK has APIs and capabilities that can be leveraged from </a:t>
+            </a:r>
+            <a:r>
+              <a:rPr lang="en-US" dirty="0" err="1"/>
+              <a:t>WinUI</a:t>
+            </a:r>
+            <a:r>
+              <a:rPr lang="en-US" dirty="0"/>
+              <a:t> 3 apps and other Windows apps.</a:t>
+            </a:r>
+          </a:p>
+          <a:p>
             <a:endParaRPr lang="en-US" dirty="0"/>
           </a:p>
           <a:p>
-            <a:pPr marL="171450" indent="-171450">
-              <a:buFontTx/>
-              <a:buChar char="-"/>
-            </a:pPr>
-            <a:r>
-              <a:rPr lang="en-US" dirty="0"/>
-              <a:t>Open Chapter 5 to explore controls and MVVM concepts</a:t>
-            </a:r>
+            <a:r>
+              <a:rPr lang="en-US" dirty="0" err="1"/>
+              <a:t>WinUI</a:t>
+            </a:r>
+            <a:r>
+              <a:rPr lang="en-US" dirty="0"/>
+              <a:t> 3 was released in March of 2021 along with version 1.0 of Windows App SDK. It came out about a week after the first edition of my </a:t>
+            </a:r>
+            <a:r>
+              <a:rPr lang="en-US" dirty="0" err="1"/>
+              <a:t>WinUI</a:t>
+            </a:r>
+            <a:r>
+              <a:rPr lang="en-US" dirty="0"/>
+              <a:t> book was published.</a:t>
+            </a:r>
+          </a:p>
+          <a:p>
+            <a:endParaRPr lang="en-US" dirty="0"/>
+          </a:p>
+          <a:p>
+            <a:r>
+              <a:rPr lang="en-US" dirty="0" err="1"/>
+              <a:t>WinUI</a:t>
+            </a:r>
+            <a:r>
+              <a:rPr lang="en-US" dirty="0"/>
+              <a:t> 3 C# apps run on the .NET runtime. You can create </a:t>
+            </a:r>
+            <a:r>
+              <a:rPr lang="en-US" dirty="0" err="1"/>
+              <a:t>WinUI</a:t>
+            </a:r>
+            <a:r>
+              <a:rPr lang="en-US" dirty="0"/>
+              <a:t> 3 apps on .NET 8 today. I know some developers who are experimenting with </a:t>
+            </a:r>
+            <a:r>
+              <a:rPr lang="en-US" dirty="0" err="1"/>
+              <a:t>WinUI</a:t>
+            </a:r>
+            <a:r>
+              <a:rPr lang="en-US" dirty="0"/>
+              <a:t> 3 running on .NET 9 previews.</a:t>
+            </a:r>
+          </a:p>
+          <a:p>
+            <a:endParaRPr lang="en-US" dirty="0"/>
+          </a:p>
+          <a:p>
+            <a:r>
+              <a:rPr lang="en-US" dirty="0"/>
+              <a:t>The most popular project type is a C# app with a XAML UI, but you can also use C++ and XAML. You can technically construct the contents of your UI in your C# code-behind files, but you still need to have a XAML file to host the root page or Window element.</a:t>
+            </a:r>
+          </a:p>
+          <a:p>
+            <a:endParaRPr lang="en-US" dirty="0"/>
+          </a:p>
+          <a:p>
+            <a:r>
+              <a:rPr lang="en-US" dirty="0"/>
+              <a:t>The latest stable release of Windows App SDK is version 1.7, which was released this week.</a:t>
+            </a:r>
+          </a:p>
+          <a:p>
+            <a:endParaRPr lang="en-US" dirty="0"/>
+          </a:p>
+          <a:p>
+            <a:r>
+              <a:rPr lang="en-US" dirty="0"/>
+              <a:t>If you attended my session last month, we compared </a:t>
+            </a:r>
+            <a:r>
+              <a:rPr lang="en-US" dirty="0" err="1"/>
+              <a:t>WinUI</a:t>
+            </a:r>
+            <a:r>
+              <a:rPr lang="en-US" dirty="0"/>
+              <a:t> 3 to some of the other Windows development frameworks. You can also check out this link to a Microsoft Learn page that compares the options, breaking down the differences between them.</a:t>
+            </a:r>
+          </a:p>
+          <a:p>
+            <a:endParaRPr lang="en-US" dirty="0"/>
+          </a:p>
+          <a:p>
+            <a:r>
+              <a:rPr lang="en-US" dirty="0" err="1"/>
+              <a:t>WinUI</a:t>
+            </a:r>
+            <a:r>
+              <a:rPr lang="en-US" dirty="0"/>
+              <a:t> 3 is released as read-only on open source. That means that while you can’t contribute PRs to the framework, you can use the source for some enhanced debugging. The last </a:t>
+            </a:r>
+            <a:r>
+              <a:rPr lang="en-US" dirty="0" err="1"/>
+              <a:t>WinUI</a:t>
+            </a:r>
+            <a:r>
+              <a:rPr lang="en-US" dirty="0"/>
+              <a:t> Community Call demonstrated how debugging with the source can help pinpoint problems while debugging.</a:t>
+            </a:r>
+          </a:p>
+          <a:p>
+            <a:endParaRPr lang="en-US" dirty="0"/>
           </a:p>
         </p:txBody>
       </p:sp>
     </p:spTree>
     <p:extLst>
       <p:ext uri="{BB962C8B-B14F-4D97-AF65-F5344CB8AC3E}">
-        <p14:creationId xmlns:p14="http://schemas.microsoft.com/office/powerpoint/2010/main" val="257872853"/>
+        <p14:creationId xmlns:p14="http://schemas.microsoft.com/office/powerpoint/2010/main" val="3832508067"/>
       </p:ext>
     </p:extLst>
   </p:cSld>
@@ -1302,16 +1337,15 @@
           <a:p>
             <a:r>
               <a:rPr lang="en-US" dirty="0"/>
-              <a:t>The Windows Community Toolkit, like the .NET Community Toolkit is an open-source project with controls, helpers, animations, behaviors, and lots more.</a:t>
-            </a:r>
-          </a:p>
-          <a:p>
-            <a:endParaRPr lang="en-US" dirty="0"/>
-          </a:p>
-          <a:p>
-            <a:r>
-              <a:rPr lang="en-US" dirty="0"/>
-              <a:t>The source and documentation are both stored in GitHub, and the documentation is surfaced on Microsoft Learn under the .NET docs.</a:t>
+              <a:t>We’ll do a couple of quick demos next. One will be starting a new </a:t>
+            </a:r>
+            <a:r>
+              <a:rPr lang="en-US" dirty="0" err="1"/>
+              <a:t>WinUI</a:t>
+            </a:r>
+            <a:r>
+              <a:rPr lang="en-US" dirty="0"/>
+              <a:t> project in Visual Studio. The second project is taken from Chapter 5 of my book. We’ll examine some of the controls and see how I used the MVVM Toolkit from the .NET Community Toolkit to leverage the MVVM pattern in my code.</a:t>
             </a:r>
           </a:p>
           <a:p>
@@ -1324,7 +1358,15 @@
             </a:pPr>
             <a:r>
               <a:rPr lang="en-US" dirty="0"/>
-              <a:t>Explore the Windows Community Toolkit Gallery app</a:t>
+              <a:t>Create new </a:t>
+            </a:r>
+            <a:r>
+              <a:rPr lang="en-US" dirty="0" err="1"/>
+              <a:t>WinUI</a:t>
+            </a:r>
+            <a:r>
+              <a:rPr lang="en-US" dirty="0"/>
+              <a:t> 3 in Desktop project.</a:t>
             </a:r>
           </a:p>
           <a:p>
@@ -1341,7 +1383,7 @@
             </a:pPr>
             <a:r>
               <a:rPr lang="en-US" dirty="0"/>
-              <a:t>Chapter 9 code has Community Toolkit controls</a:t>
+              <a:t>Open Chapter 5 to explore controls and MVVM concepts</a:t>
             </a:r>
           </a:p>
         </p:txBody>
@@ -1349,7 +1391,7 @@
     </p:spTree>
     <p:extLst>
       <p:ext uri="{BB962C8B-B14F-4D97-AF65-F5344CB8AC3E}">
-        <p14:creationId xmlns:p14="http://schemas.microsoft.com/office/powerpoint/2010/main" val="137925249"/>
+        <p14:creationId xmlns:p14="http://schemas.microsoft.com/office/powerpoint/2010/main" val="257872853"/>
       </p:ext>
     </p:extLst>
   </p:cSld>
@@ -1403,34 +1445,48 @@
           <a:bodyPr/>
           <a:lstStyle/>
           <a:p>
-            <a:pPr marL="0" marR="0" lvl="0" indent="0" algn="l" defTabSz="914400" rtl="0" eaLnBrk="1" fontAlgn="auto" latinLnBrk="0" hangingPunct="1">
-              <a:lnSpc>
-                <a:spcPct val="100000"/>
-              </a:lnSpc>
-              <a:spcBef>
-                <a:spcPts val="0"/>
-              </a:spcBef>
-              <a:spcAft>
-                <a:spcPts val="0"/>
-              </a:spcAft>
-              <a:buClrTx/>
-              <a:buSzTx/>
+            <a:r>
+              <a:rPr lang="en-US" dirty="0"/>
+              <a:t>The Windows Community Toolkit, like the .NET Community Toolkit is an open-source project with controls, helpers, animations, behaviors, and lots more.</a:t>
+            </a:r>
+          </a:p>
+          <a:p>
+            <a:endParaRPr lang="en-US" dirty="0"/>
+          </a:p>
+          <a:p>
+            <a:r>
+              <a:rPr lang="en-US" dirty="0"/>
+              <a:t>The source and documentation are both stored in GitHub, and the documentation is surfaced on Microsoft Learn under the .NET docs.</a:t>
+            </a:r>
+          </a:p>
+          <a:p>
+            <a:endParaRPr lang="en-US" dirty="0"/>
+          </a:p>
+          <a:p>
+            <a:pPr marL="171450" indent="-171450">
+              <a:buFontTx/>
+              <a:buChar char="-"/>
+            </a:pPr>
+            <a:r>
+              <a:rPr lang="en-US" dirty="0"/>
+              <a:t>Explore the Windows Community Toolkit Gallery app</a:t>
+            </a:r>
+          </a:p>
+          <a:p>
+            <a:pPr marL="0" indent="0">
               <a:buFontTx/>
               <a:buNone/>
-              <a:tabLst/>
-              <a:defRPr/>
             </a:pPr>
-            <a:r>
-              <a:rPr lang="en-US" dirty="0"/>
-              <a:t>The next demo is taken from Chapter 8 in my book. We’ll see how Windows App SDK app notifications are implemented in a </a:t>
-            </a:r>
-            <a:r>
-              <a:rPr lang="en-US" dirty="0" err="1"/>
-              <a:t>WinUI</a:t>
-            </a:r>
-            <a:r>
-              <a:rPr lang="en-US" dirty="0"/>
-              <a:t> 3 app.</a:t>
+            <a:endParaRPr lang="en-US" dirty="0"/>
+          </a:p>
+          <a:p>
+            <a:pPr marL="171450" indent="-171450">
+              <a:buFontTx/>
+              <a:buChar char="-"/>
+            </a:pPr>
+            <a:r>
+              <a:rPr lang="en-US" dirty="0"/>
+              <a:t>Chapter 9 code has Community Toolkit controls</a:t>
             </a:r>
           </a:p>
         </p:txBody>
@@ -1438,7 +1494,7 @@
     </p:spTree>
     <p:extLst>
       <p:ext uri="{BB962C8B-B14F-4D97-AF65-F5344CB8AC3E}">
-        <p14:creationId xmlns:p14="http://schemas.microsoft.com/office/powerpoint/2010/main" val="678695635"/>
+        <p14:creationId xmlns:p14="http://schemas.microsoft.com/office/powerpoint/2010/main" val="137925249"/>
       </p:ext>
     </p:extLst>
   </p:cSld>
@@ -1492,9 +1548,26 @@
           <a:bodyPr/>
           <a:lstStyle/>
           <a:p>
-            <a:r>
-              <a:rPr lang="en-US" dirty="0"/>
-              <a:t>There are a few options for different types of interop in a </a:t>
+            <a:pPr marL="0" marR="0" lvl="0" indent="0" algn="l" defTabSz="914400" rtl="0" eaLnBrk="1" fontAlgn="auto" latinLnBrk="0" hangingPunct="1">
+              <a:lnSpc>
+                <a:spcPct val="100000"/>
+              </a:lnSpc>
+              <a:spcBef>
+                <a:spcPts val="0"/>
+              </a:spcBef>
+              <a:spcAft>
+                <a:spcPts val="0"/>
+              </a:spcAft>
+              <a:buClrTx/>
+              <a:buSzTx/>
+              <a:buFontTx/>
+              <a:buNone/>
+              <a:tabLst/>
+              <a:defRPr/>
+            </a:pPr>
+            <a:r>
+              <a:rPr lang="en-US" dirty="0"/>
+              <a:t>The next demo is taken from Chapter 8 in my book. We’ll see how Windows App SDK app notifications are implemented in a </a:t>
             </a:r>
             <a:r>
               <a:rPr lang="en-US" dirty="0" err="1"/>
@@ -1503,121 +1576,6 @@
             <a:r>
               <a:rPr lang="en-US" dirty="0"/>
               <a:t> 3 app.</a:t>
-            </a:r>
-          </a:p>
-          <a:p>
-            <a:endParaRPr lang="en-US" dirty="0"/>
-          </a:p>
-          <a:p>
-            <a:r>
-              <a:rPr lang="en-US" dirty="0"/>
-              <a:t>There isn’t a full-featured interop host yet for </a:t>
-            </a:r>
-            <a:r>
-              <a:rPr lang="en-US" dirty="0" err="1"/>
-              <a:t>WinUI</a:t>
-            </a:r>
-            <a:r>
-              <a:rPr lang="en-US" dirty="0"/>
-              <a:t> 3 like you have to host WPF controls in a WinForms app or vice-versa. There is a new </a:t>
-            </a:r>
-            <a:r>
-              <a:rPr lang="en-US" dirty="0" err="1"/>
-              <a:t>ContentIsland</a:t>
-            </a:r>
-            <a:r>
-              <a:rPr lang="en-US" dirty="0"/>
-              <a:t> and related controls. They were released in Windows App SDK 1.4 but they’re currently only recommended in C++ </a:t>
-            </a:r>
-            <a:r>
-              <a:rPr lang="en-US" dirty="0" err="1"/>
-              <a:t>WinUI</a:t>
-            </a:r>
-            <a:r>
-              <a:rPr lang="en-US" dirty="0"/>
-              <a:t> apps. There’s no wrapper to use Islands in WinForms or WPF yet either. You can check out the release notes for more information about their current state.</a:t>
-            </a:r>
-          </a:p>
-          <a:p>
-            <a:endParaRPr lang="en-US" dirty="0"/>
-          </a:p>
-          <a:p>
-            <a:r>
-              <a:rPr lang="en-US" dirty="0"/>
-              <a:t>Another option is to embed some web content in your </a:t>
-            </a:r>
-            <a:r>
-              <a:rPr lang="en-US" dirty="0" err="1"/>
-              <a:t>WinUI</a:t>
-            </a:r>
-            <a:r>
-              <a:rPr lang="en-US" dirty="0"/>
-              <a:t> 3 app with a WebView2 control. In chapter 12 of my book, I created and deployed a </a:t>
-            </a:r>
-            <a:r>
-              <a:rPr lang="en-US" dirty="0" err="1"/>
-              <a:t>Blazor</a:t>
-            </a:r>
-            <a:r>
-              <a:rPr lang="en-US" dirty="0"/>
-              <a:t> app and host in a </a:t>
-            </a:r>
-            <a:r>
-              <a:rPr lang="en-US" dirty="0" err="1"/>
-              <a:t>WinUI</a:t>
-            </a:r>
-            <a:r>
-              <a:rPr lang="en-US" dirty="0"/>
-              <a:t> 3 client app. There are also some folks who have gotten the .NET MAUI </a:t>
-            </a:r>
-            <a:r>
-              <a:rPr lang="en-US" dirty="0" err="1"/>
-              <a:t>Blazor</a:t>
-            </a:r>
-            <a:r>
-              <a:rPr lang="en-US" dirty="0"/>
-              <a:t> Hybrid </a:t>
-            </a:r>
-            <a:r>
-              <a:rPr lang="en-US" dirty="0" err="1"/>
-              <a:t>webview</a:t>
-            </a:r>
-            <a:r>
-              <a:rPr lang="en-US" dirty="0"/>
-              <a:t> control to work in a </a:t>
-            </a:r>
-            <a:r>
-              <a:rPr lang="en-US" dirty="0" err="1"/>
-              <a:t>WinUI</a:t>
-            </a:r>
-            <a:r>
-              <a:rPr lang="en-US" dirty="0"/>
-              <a:t> 3 app. Using that, you can run a </a:t>
-            </a:r>
-            <a:r>
-              <a:rPr lang="en-US" dirty="0" err="1"/>
-              <a:t>Blazor</a:t>
-            </a:r>
-            <a:r>
-              <a:rPr lang="en-US" dirty="0"/>
-              <a:t> app embedded in your project rather than loading it from the cloud. This way, you could potentially share local resources and run some functionality offline.</a:t>
-            </a:r>
-          </a:p>
-          <a:p>
-            <a:endParaRPr lang="en-US" dirty="0"/>
-          </a:p>
-          <a:p>
-            <a:r>
-              <a:rPr lang="en-US" dirty="0"/>
-              <a:t>Let’s take a look at that WebView2 with </a:t>
-            </a:r>
-            <a:r>
-              <a:rPr lang="en-US" dirty="0" err="1"/>
-              <a:t>Blazor</a:t>
-            </a:r>
-            <a:r>
-              <a:rPr lang="en-US" dirty="0"/>
-              <a:t> demo from Chapter 12.</a:t>
             </a:r>
           </a:p>
         </p:txBody>
@@ -1625,7 +1583,7 @@
     </p:spTree>
     <p:extLst>
       <p:ext uri="{BB962C8B-B14F-4D97-AF65-F5344CB8AC3E}">
-        <p14:creationId xmlns:p14="http://schemas.microsoft.com/office/powerpoint/2010/main" val="1973038132"/>
+        <p14:creationId xmlns:p14="http://schemas.microsoft.com/office/powerpoint/2010/main" val="678695635"/>
       </p:ext>
     </p:extLst>
   </p:cSld>
@@ -1681,20 +1639,15 @@
           <a:p>
             <a:r>
               <a:rPr lang="en-US" dirty="0"/>
-              <a:t>Deployment options.</a:t>
-            </a:r>
-          </a:p>
-          <a:p>
-            <a:endParaRPr lang="en-US" dirty="0"/>
-          </a:p>
-          <a:p>
+              <a:t>There are a few options for different types of interop in a </a:t>
+            </a:r>
             <a:r>
               <a:rPr lang="en-US" dirty="0" err="1"/>
               <a:t>WinUI</a:t>
             </a:r>
             <a:r>
               <a:rPr lang="en-US" dirty="0"/>
-              <a:t> has several packaging options.</a:t>
+              <a:t> 3 app.</a:t>
             </a:r>
           </a:p>
           <a:p>
@@ -1703,44 +1656,7 @@
           <a:p>
             <a:r>
               <a:rPr lang="en-US" dirty="0"/>
-              <a:t>First off, your apps can be either “framework-dependent” or “self-contained”. Framework dependent apps rely on the Windows App SDK runtime being present on client machines. Self-contained apps deploy the runtime with your app. Each method has pros and cons.</a:t>
-            </a:r>
-          </a:p>
-          <a:p>
-            <a:r>
-              <a:rPr lang="en-US" dirty="0"/>
-              <a:t>	Self contained – Larger installer but you control the runtime version. But that also means you need to deploy updates to your app to provide any runtime bug-fixes.</a:t>
-            </a:r>
-          </a:p>
-          <a:p>
-            <a:r>
-              <a:rPr lang="en-US" dirty="0"/>
-              <a:t>	Framework dependent (the default) – Smaller installer but you’re relying on users to keep updated with SDK updates and fixes.</a:t>
-            </a:r>
-          </a:p>
-          <a:p>
-            <a:endParaRPr lang="en-US" dirty="0"/>
-          </a:p>
-          <a:p>
-            <a:r>
-              <a:rPr lang="en-US" dirty="0"/>
-              <a:t>As far as how you get your app to your users, you can package and submit it to the Microsoft Store, you can use </a:t>
-            </a:r>
-            <a:r>
-              <a:rPr lang="en-US" dirty="0" err="1"/>
-              <a:t>WinGet</a:t>
-            </a:r>
-            <a:r>
-              <a:rPr lang="en-US" dirty="0"/>
-              <a:t> (the Windows Package Manager), you can sideload your app (deploy it without the Store or </a:t>
-            </a:r>
-            <a:r>
-              <a:rPr lang="en-US" dirty="0" err="1"/>
-              <a:t>WinGet</a:t>
-            </a:r>
-            <a:r>
-              <a:rPr lang="en-US" dirty="0"/>
-              <a:t> – this isn’t officially documented for </a:t>
+              <a:t>There isn’t a full-featured interop host yet for </a:t>
             </a:r>
             <a:r>
               <a:rPr lang="en-US" dirty="0" err="1"/>
@@ -1748,7 +1664,23 @@
             </a:r>
             <a:r>
               <a:rPr lang="en-US" dirty="0"/>
-              <a:t> 3, but the .NET MAUI method for Windows does work). You can also use some third-party installer solutions. Advanced Installer and InstallShield are a couple of the well-known options.</a:t>
+              <a:t> 3 like you have to host WPF controls in a WinForms app or vice-versa. There is a new </a:t>
+            </a:r>
+            <a:r>
+              <a:rPr lang="en-US" dirty="0" err="1"/>
+              <a:t>ContentIsland</a:t>
+            </a:r>
+            <a:r>
+              <a:rPr lang="en-US" dirty="0"/>
+              <a:t> and related controls. They were released in Windows App SDK 1.4 but they’re currently only recommended in C++ </a:t>
+            </a:r>
+            <a:r>
+              <a:rPr lang="en-US" dirty="0" err="1"/>
+              <a:t>WinUI</a:t>
+            </a:r>
+            <a:r>
+              <a:rPr lang="en-US" dirty="0"/>
+              <a:t> apps. There’s no wrapper to use Islands in WinForms or WPF yet either. You can check out the release notes for more information about their current state.</a:t>
             </a:r>
           </a:p>
           <a:p>
@@ -1757,7 +1689,80 @@
           <a:p>
             <a:r>
               <a:rPr lang="en-US" dirty="0"/>
-              <a:t>We’re not going to do a live demo of this, but the online documentation and the deployment chapter in my book get into plenty of detail.</a:t>
+              <a:t>Another option is to embed some web content in your </a:t>
+            </a:r>
+            <a:r>
+              <a:rPr lang="en-US" dirty="0" err="1"/>
+              <a:t>WinUI</a:t>
+            </a:r>
+            <a:r>
+              <a:rPr lang="en-US" dirty="0"/>
+              <a:t> 3 app with a WebView2 control. In chapter 12 of my book, I created and deployed a </a:t>
+            </a:r>
+            <a:r>
+              <a:rPr lang="en-US" dirty="0" err="1"/>
+              <a:t>Blazor</a:t>
+            </a:r>
+            <a:r>
+              <a:rPr lang="en-US" dirty="0"/>
+              <a:t> app and host in a </a:t>
+            </a:r>
+            <a:r>
+              <a:rPr lang="en-US" dirty="0" err="1"/>
+              <a:t>WinUI</a:t>
+            </a:r>
+            <a:r>
+              <a:rPr lang="en-US" dirty="0"/>
+              <a:t> 3 client app. There are also some folks who have gotten the .NET MAUI </a:t>
+            </a:r>
+            <a:r>
+              <a:rPr lang="en-US" dirty="0" err="1"/>
+              <a:t>Blazor</a:t>
+            </a:r>
+            <a:r>
+              <a:rPr lang="en-US" dirty="0"/>
+              <a:t> Hybrid </a:t>
+            </a:r>
+            <a:r>
+              <a:rPr lang="en-US" dirty="0" err="1"/>
+              <a:t>webview</a:t>
+            </a:r>
+            <a:r>
+              <a:rPr lang="en-US" dirty="0"/>
+              <a:t> control to work in a </a:t>
+            </a:r>
+            <a:r>
+              <a:rPr lang="en-US" dirty="0" err="1"/>
+              <a:t>WinUI</a:t>
+            </a:r>
+            <a:r>
+              <a:rPr lang="en-US" dirty="0"/>
+              <a:t> 3 app. Using that, you can run a </a:t>
+            </a:r>
+            <a:r>
+              <a:rPr lang="en-US" dirty="0" err="1"/>
+              <a:t>Blazor</a:t>
+            </a:r>
+            <a:r>
+              <a:rPr lang="en-US" dirty="0"/>
+              <a:t> app embedded in your project rather than loading it from the cloud. This way, you could potentially share local resources and run some functionality offline.</a:t>
+            </a:r>
+          </a:p>
+          <a:p>
+            <a:endParaRPr lang="en-US" dirty="0"/>
+          </a:p>
+          <a:p>
+            <a:r>
+              <a:rPr lang="en-US" dirty="0"/>
+              <a:t>Let’s take a look at that WebView2 with </a:t>
+            </a:r>
+            <a:r>
+              <a:rPr lang="en-US" dirty="0" err="1"/>
+              <a:t>Blazor</a:t>
+            </a:r>
+            <a:r>
+              <a:rPr lang="en-US" dirty="0"/>
+              <a:t> demo from Chapter 12.</a:t>
             </a:r>
           </a:p>
         </p:txBody>
@@ -1765,7 +1770,7 @@
     </p:spTree>
     <p:extLst>
       <p:ext uri="{BB962C8B-B14F-4D97-AF65-F5344CB8AC3E}">
-        <p14:creationId xmlns:p14="http://schemas.microsoft.com/office/powerpoint/2010/main" val="2022676373"/>
+        <p14:creationId xmlns:p14="http://schemas.microsoft.com/office/powerpoint/2010/main" val="1973038132"/>
       </p:ext>
     </p:extLst>
   </p:cSld>
@@ -1821,15 +1826,20 @@
           <a:p>
             <a:r>
               <a:rPr lang="en-US" dirty="0"/>
-              <a:t>Now let’s take a quick look at an Uno Platform version of the My Media Collection app that we looked at in some previous demos. We can try running this in Windows and Android, and if there’s time, we’ll give the </a:t>
-            </a:r>
+              <a:t>Deployment options.</a:t>
+            </a:r>
+          </a:p>
+          <a:p>
+            <a:endParaRPr lang="en-US" dirty="0"/>
+          </a:p>
+          <a:p>
             <a:r>
               <a:rPr lang="en-US" dirty="0" err="1"/>
-              <a:t>WebAssembly</a:t>
-            </a:r>
-            <a:r>
-              <a:rPr lang="en-US" dirty="0"/>
-              <a:t> project a try.</a:t>
+              <a:t>WinUI</a:t>
+            </a:r>
+            <a:r>
+              <a:rPr lang="en-US" dirty="0"/>
+              <a:t> has several packaging options.</a:t>
             </a:r>
           </a:p>
           <a:p>
@@ -1838,7 +1848,61 @@
           <a:p>
             <a:r>
               <a:rPr lang="en-US" dirty="0"/>
-              <a:t>Chapter 13 has Uno Platform project</a:t>
+              <a:t>First off, your apps can be either “framework-dependent” or “self-contained”. Framework dependent apps rely on the Windows App SDK runtime being present on client machines. Self-contained apps deploy the runtime with your app. Each method has pros and cons.</a:t>
+            </a:r>
+          </a:p>
+          <a:p>
+            <a:r>
+              <a:rPr lang="en-US" dirty="0"/>
+              <a:t>	Self contained – Larger installer but you control the runtime version. But that also means you need to deploy updates to your app to provide any runtime bug-fixes.</a:t>
+            </a:r>
+          </a:p>
+          <a:p>
+            <a:r>
+              <a:rPr lang="en-US" dirty="0"/>
+              <a:t>	Framework dependent (the default) – Smaller installer but you’re relying on users to keep updated with SDK updates and fixes.</a:t>
+            </a:r>
+          </a:p>
+          <a:p>
+            <a:endParaRPr lang="en-US" dirty="0"/>
+          </a:p>
+          <a:p>
+            <a:r>
+              <a:rPr lang="en-US" dirty="0"/>
+              <a:t>As far as how you get your app to your users, you can package and submit it to the Microsoft Store, you can use </a:t>
+            </a:r>
+            <a:r>
+              <a:rPr lang="en-US" dirty="0" err="1"/>
+              <a:t>WinGet</a:t>
+            </a:r>
+            <a:r>
+              <a:rPr lang="en-US" dirty="0"/>
+              <a:t> (the Windows Package Manager), you can sideload your app (deploy it without the Store or </a:t>
+            </a:r>
+            <a:r>
+              <a:rPr lang="en-US" dirty="0" err="1"/>
+              <a:t>WinGet</a:t>
+            </a:r>
+            <a:r>
+              <a:rPr lang="en-US" dirty="0"/>
+              <a:t> – this isn’t officially documented for </a:t>
+            </a:r>
+            <a:r>
+              <a:rPr lang="en-US" dirty="0" err="1"/>
+              <a:t>WinUI</a:t>
+            </a:r>
+            <a:r>
+              <a:rPr lang="en-US" dirty="0"/>
+              <a:t> 3, but the .NET MAUI method for Windows does work). You can also use some third-party installer solutions. Advanced Installer and InstallShield are a couple of the well-known options.</a:t>
+            </a:r>
+          </a:p>
+          <a:p>
+            <a:endParaRPr lang="en-US" dirty="0"/>
+          </a:p>
+          <a:p>
+            <a:r>
+              <a:rPr lang="en-US" dirty="0"/>
+              <a:t>We’re not going to do a live demo of this, but the online documentation and the deployment chapter in my book get into plenty of detail.</a:t>
             </a:r>
           </a:p>
         </p:txBody>
@@ -1846,7 +1910,7 @@
     </p:spTree>
     <p:extLst>
       <p:ext uri="{BB962C8B-B14F-4D97-AF65-F5344CB8AC3E}">
-        <p14:creationId xmlns:p14="http://schemas.microsoft.com/office/powerpoint/2010/main" val="353549904"/>
+        <p14:creationId xmlns:p14="http://schemas.microsoft.com/office/powerpoint/2010/main" val="2022676373"/>
       </p:ext>
     </p:extLst>
   </p:cSld>
@@ -2035,7 +2099,7 @@
           <a:p>
             <a:fld id="{D088F999-7A4E-6B4F-9FED-EF75B73AD044}" type="datetimeFigureOut">
               <a:rPr lang="en-US" smtClean="0"/>
-              <a:t>2/5/2025</a:t>
+              <a:t>3/1/2025</a:t>
             </a:fld>
             <a:endParaRPr lang="en-US"/>
           </a:p>
@@ -2203,7 +2267,7 @@
           <a:p>
             <a:fld id="{D088F999-7A4E-6B4F-9FED-EF75B73AD044}" type="datetimeFigureOut">
               <a:rPr lang="en-US" smtClean="0"/>
-              <a:t>2/5/2025</a:t>
+              <a:t>3/1/2025</a:t>
             </a:fld>
             <a:endParaRPr lang="en-US"/>
           </a:p>
@@ -2381,7 +2445,7 @@
           <a:p>
             <a:fld id="{D088F999-7A4E-6B4F-9FED-EF75B73AD044}" type="datetimeFigureOut">
               <a:rPr lang="en-US" smtClean="0"/>
-              <a:t>2/5/2025</a:t>
+              <a:t>3/1/2025</a:t>
             </a:fld>
             <a:endParaRPr lang="en-US"/>
           </a:p>
@@ -2550,7 +2614,7 @@
             <a:fld id="{3FE51E94-D08C-431E-88FC-7EB62E529A19}" type="datetimeFigureOut">
               <a:rPr lang="en-US" smtClean="0"/>
               <a:pPr/>
-              <a:t>2/5/2025</a:t>
+              <a:t>3/1/2025</a:t>
             </a:fld>
             <a:endParaRPr lang="en-US"/>
           </a:p>
@@ -2719,7 +2783,7 @@
           <a:p>
             <a:fld id="{D088F999-7A4E-6B4F-9FED-EF75B73AD044}" type="datetimeFigureOut">
               <a:rPr lang="en-US" smtClean="0"/>
-              <a:t>2/5/2025</a:t>
+              <a:t>3/1/2025</a:t>
             </a:fld>
             <a:endParaRPr lang="en-US"/>
           </a:p>
@@ -2964,7 +3028,7 @@
           <a:p>
             <a:fld id="{D088F999-7A4E-6B4F-9FED-EF75B73AD044}" type="datetimeFigureOut">
               <a:rPr lang="en-US" smtClean="0"/>
-              <a:t>2/5/2025</a:t>
+              <a:t>3/1/2025</a:t>
             </a:fld>
             <a:endParaRPr lang="en-US"/>
           </a:p>
@@ -3249,7 +3313,7 @@
           <a:p>
             <a:fld id="{D088F999-7A4E-6B4F-9FED-EF75B73AD044}" type="datetimeFigureOut">
               <a:rPr lang="en-US" smtClean="0"/>
-              <a:t>2/5/2025</a:t>
+              <a:t>3/1/2025</a:t>
             </a:fld>
             <a:endParaRPr lang="en-US"/>
           </a:p>
@@ -3668,7 +3732,7 @@
           <a:p>
             <a:fld id="{D088F999-7A4E-6B4F-9FED-EF75B73AD044}" type="datetimeFigureOut">
               <a:rPr lang="en-US" smtClean="0"/>
-              <a:t>2/5/2025</a:t>
+              <a:t>3/1/2025</a:t>
             </a:fld>
             <a:endParaRPr lang="en-US"/>
           </a:p>
@@ -3785,7 +3849,7 @@
           <a:p>
             <a:fld id="{D088F999-7A4E-6B4F-9FED-EF75B73AD044}" type="datetimeFigureOut">
               <a:rPr lang="en-US" smtClean="0"/>
-              <a:t>2/5/2025</a:t>
+              <a:t>3/1/2025</a:t>
             </a:fld>
             <a:endParaRPr lang="en-US"/>
           </a:p>
@@ -3880,7 +3944,7 @@
           <a:p>
             <a:fld id="{D088F999-7A4E-6B4F-9FED-EF75B73AD044}" type="datetimeFigureOut">
               <a:rPr lang="en-US" smtClean="0"/>
-              <a:t>2/5/2025</a:t>
+              <a:t>3/1/2025</a:t>
             </a:fld>
             <a:endParaRPr lang="en-US"/>
           </a:p>
@@ -4155,7 +4219,7 @@
           <a:p>
             <a:fld id="{D088F999-7A4E-6B4F-9FED-EF75B73AD044}" type="datetimeFigureOut">
               <a:rPr lang="en-US" smtClean="0"/>
-              <a:t>2/5/2025</a:t>
+              <a:t>3/1/2025</a:t>
             </a:fld>
             <a:endParaRPr lang="en-US"/>
           </a:p>
@@ -4407,7 +4471,7 @@
           <a:p>
             <a:fld id="{D088F999-7A4E-6B4F-9FED-EF75B73AD044}" type="datetimeFigureOut">
               <a:rPr lang="en-US" smtClean="0"/>
-              <a:t>2/5/2025</a:t>
+              <a:t>3/1/2025</a:t>
             </a:fld>
             <a:endParaRPr lang="en-US"/>
           </a:p>
@@ -4627,7 +4691,7 @@
           <a:p>
             <a:fld id="{D088F999-7A4E-6B4F-9FED-EF75B73AD044}" type="datetimeFigureOut">
               <a:rPr lang="en-US" smtClean="0"/>
-              <a:t>2/5/2025</a:t>
+              <a:t>3/1/2025</a:t>
             </a:fld>
             <a:endParaRPr lang="en-US"/>
           </a:p>
@@ -5144,7 +5208,7 @@
           <a:p>
             <a:fld id="{D088F999-7A4E-6B4F-9FED-EF75B73AD044}" type="datetimeFigureOut">
               <a:rPr lang="en-US" smtClean="0"/>
-              <a:t>2/5/2025</a:t>
+              <a:t>3/1/2025</a:t>
             </a:fld>
             <a:endParaRPr lang="en-US"/>
           </a:p>
@@ -6118,6 +6182,40 @@
 <file path=ppt/slides/slide10.xml><?xml version="1.0" encoding="utf-8"?>
 <p:sld xmlns:a="http://schemas.openxmlformats.org/drawingml/2006/main" xmlns:r="http://schemas.openxmlformats.org/officeDocument/2006/relationships" xmlns:p="http://schemas.openxmlformats.org/presentationml/2006/main">
   <p:cSld>
+    <p:bg>
+      <p:bgPr>
+        <a:gradFill>
+          <a:gsLst>
+            <a:gs pos="0">
+              <a:schemeClr val="accent5">
+                <a:lumMod val="5000"/>
+                <a:lumOff val="95000"/>
+              </a:schemeClr>
+            </a:gs>
+            <a:gs pos="74000">
+              <a:schemeClr val="accent5">
+                <a:lumMod val="45000"/>
+                <a:lumOff val="55000"/>
+              </a:schemeClr>
+            </a:gs>
+            <a:gs pos="83000">
+              <a:schemeClr val="accent5">
+                <a:lumMod val="45000"/>
+                <a:lumOff val="55000"/>
+              </a:schemeClr>
+            </a:gs>
+            <a:gs pos="100000">
+              <a:schemeClr val="accent5">
+                <a:lumMod val="30000"/>
+                <a:lumOff val="70000"/>
+              </a:schemeClr>
+            </a:gs>
+          </a:gsLst>
+          <a:lin ang="5400000" scaled="1"/>
+        </a:gradFill>
+        <a:effectLst/>
+      </p:bgPr>
+    </p:bg>
     <p:spTree>
       <p:nvGrpSpPr>
         <p:cNvPr id="1" name=""/>
@@ -6238,33 +6336,29 @@
           <a:p>
             <a:pPr lvl="1"/>
             <a:r>
-              <a:rPr lang="en-US" dirty="0"/>
-              <a:t>Instructions for packaging a .NET MAUI app work with </a:t>
-            </a:r>
-            <a:r>
-              <a:rPr lang="en-US" dirty="0" err="1"/>
-              <a:t>WinUI</a:t>
-            </a:r>
-            <a:r>
-              <a:rPr lang="en-US" dirty="0"/>
-              <a:t> projects and a separate Windows Application Packaging project: </a:t>
-            </a:r>
-            <a:r>
               <a:rPr lang="en-US" dirty="0">
                 <a:hlinkClick r:id="rId3"/>
               </a:rPr>
-              <a:t>https://learn.microsoft.com/en-us/dotnet/maui/windows/deployment/publish-visual-studio-folder</a:t>
-            </a:r>
-            <a:r>
-              <a:rPr lang="en-US" dirty="0"/>
-              <a:t> </a:t>
+              <a:t>Instructions for packaging a .NET MAUI app</a:t>
+            </a:r>
+            <a:r>
+              <a:rPr lang="en-US" dirty="0"/>
+              <a:t> work with </a:t>
+            </a:r>
+            <a:r>
+              <a:rPr lang="en-US" dirty="0" err="1"/>
+              <a:t>WinUI</a:t>
+            </a:r>
+            <a:r>
+              <a:rPr lang="en-US" dirty="0"/>
+              <a:t> projects w/ Windows App Packaging project</a:t>
             </a:r>
           </a:p>
           <a:p>
             <a:pPr lvl="1"/>
             <a:r>
               <a:rPr lang="en-US" dirty="0"/>
-              <a:t>Also use for deploying MSIX with Enterprise deployment tools</a:t>
+              <a:t>Sideload works to deploy MSIX with Enterprise deployment tools too</a:t>
             </a:r>
           </a:p>
           <a:p>
@@ -6289,6 +6383,36 @@
           </a:p>
         </p:txBody>
       </p:sp>
+      <p:pic>
+        <p:nvPicPr>
+          <p:cNvPr id="5" name="Picture 4">
+            <a:extLst>
+              <a:ext uri="{FF2B5EF4-FFF2-40B4-BE49-F238E27FC236}">
+                <a16:creationId xmlns:a16="http://schemas.microsoft.com/office/drawing/2014/main" id="{C5DDE78C-95A5-5530-5CFE-0082F5281E44}"/>
+              </a:ext>
+            </a:extLst>
+          </p:cNvPr>
+          <p:cNvPicPr>
+            <a:picLocks noChangeAspect="1"/>
+          </p:cNvPicPr>
+          <p:nvPr/>
+        </p:nvPicPr>
+        <p:blipFill>
+          <a:blip r:embed="rId4"/>
+          <a:stretch>
+            <a:fillRect/>
+          </a:stretch>
+        </p:blipFill>
+        <p:spPr>
+          <a:xfrm>
+            <a:off x="7105149" y="3257550"/>
+            <a:ext cx="1609725" cy="1609725"/>
+          </a:xfrm>
+          <a:prstGeom prst="rect">
+            <a:avLst/>
+          </a:prstGeom>
+        </p:spPr>
+      </p:pic>
     </p:spTree>
     <p:extLst>
       <p:ext uri="{BB962C8B-B14F-4D97-AF65-F5344CB8AC3E}">
@@ -6305,6 +6429,40 @@
 <file path=ppt/slides/slide11.xml><?xml version="1.0" encoding="utf-8"?>
 <p:sld xmlns:a="http://schemas.openxmlformats.org/drawingml/2006/main" xmlns:r="http://schemas.openxmlformats.org/officeDocument/2006/relationships" xmlns:p="http://schemas.openxmlformats.org/presentationml/2006/main">
   <p:cSld>
+    <p:bg>
+      <p:bgPr>
+        <a:gradFill>
+          <a:gsLst>
+            <a:gs pos="0">
+              <a:schemeClr val="accent5">
+                <a:lumMod val="5000"/>
+                <a:lumOff val="95000"/>
+              </a:schemeClr>
+            </a:gs>
+            <a:gs pos="74000">
+              <a:schemeClr val="accent5">
+                <a:lumMod val="45000"/>
+                <a:lumOff val="55000"/>
+              </a:schemeClr>
+            </a:gs>
+            <a:gs pos="83000">
+              <a:schemeClr val="accent5">
+                <a:lumMod val="45000"/>
+                <a:lumOff val="55000"/>
+              </a:schemeClr>
+            </a:gs>
+            <a:gs pos="100000">
+              <a:schemeClr val="accent5">
+                <a:lumMod val="30000"/>
+                <a:lumOff val="70000"/>
+              </a:schemeClr>
+            </a:gs>
+          </a:gsLst>
+          <a:lin ang="5400000" scaled="1"/>
+        </a:gradFill>
+        <a:effectLst/>
+      </p:bgPr>
+    </p:bg>
     <p:spTree>
       <p:nvGrpSpPr>
         <p:cNvPr id="1" name=""/>
@@ -6383,15 +6541,36 @@
           <a:lstStyle/>
           <a:p>
             <a:r>
-              <a:rPr lang="en-US" dirty="0"/>
+              <a:rPr lang="en-US" dirty="0">
+                <a:solidFill>
+                  <a:schemeClr val="tx1">
+                    <a:lumMod val="85000"/>
+                    <a:lumOff val="15000"/>
+                  </a:schemeClr>
+                </a:solidFill>
+              </a:rPr>
               <a:t>Take your </a:t>
             </a:r>
             <a:r>
-              <a:rPr lang="en-US" dirty="0" err="1"/>
+              <a:rPr lang="en-US" dirty="0" err="1">
+                <a:solidFill>
+                  <a:schemeClr val="tx1">
+                    <a:lumMod val="85000"/>
+                    <a:lumOff val="15000"/>
+                  </a:schemeClr>
+                </a:solidFill>
+              </a:rPr>
               <a:t>WinUI</a:t>
             </a:r>
             <a:r>
-              <a:rPr lang="en-US" dirty="0"/>
+              <a:rPr lang="en-US" dirty="0">
+                <a:solidFill>
+                  <a:schemeClr val="tx1">
+                    <a:lumMod val="85000"/>
+                    <a:lumOff val="15000"/>
+                  </a:schemeClr>
+                </a:solidFill>
+              </a:rPr>
               <a:t> app cross-platform with Uno Platform</a:t>
             </a:r>
           </a:p>
@@ -6413,6 +6592,40 @@
 <file path=ppt/slides/slide12.xml><?xml version="1.0" encoding="utf-8"?>
 <p:sld xmlns:a="http://schemas.openxmlformats.org/drawingml/2006/main" xmlns:r="http://schemas.openxmlformats.org/officeDocument/2006/relationships" xmlns:p="http://schemas.openxmlformats.org/presentationml/2006/main">
   <p:cSld>
+    <p:bg>
+      <p:bgPr>
+        <a:gradFill>
+          <a:gsLst>
+            <a:gs pos="0">
+              <a:schemeClr val="accent5">
+                <a:lumMod val="5000"/>
+                <a:lumOff val="95000"/>
+              </a:schemeClr>
+            </a:gs>
+            <a:gs pos="74000">
+              <a:schemeClr val="accent5">
+                <a:lumMod val="45000"/>
+                <a:lumOff val="55000"/>
+              </a:schemeClr>
+            </a:gs>
+            <a:gs pos="83000">
+              <a:schemeClr val="accent5">
+                <a:lumMod val="45000"/>
+                <a:lumOff val="55000"/>
+              </a:schemeClr>
+            </a:gs>
+            <a:gs pos="100000">
+              <a:schemeClr val="accent5">
+                <a:lumMod val="30000"/>
+                <a:lumOff val="70000"/>
+              </a:schemeClr>
+            </a:gs>
+          </a:gsLst>
+          <a:lin ang="5400000" scaled="1"/>
+        </a:gradFill>
+        <a:effectLst/>
+      </p:bgPr>
+    </p:bg>
     <p:spTree>
       <p:nvGrpSpPr>
         <p:cNvPr id="1" name=""/>
@@ -6482,14 +6695,45 @@
           <a:p>
             <a:r>
               <a:rPr lang="en-US" dirty="0"/>
-              <a:t>Up next: Windows App SDK 1.7</a:t>
+              <a:t>Up next: Windows App SDK 1.7 &amp; 1.8</a:t>
             </a:r>
           </a:p>
           <a:p>
             <a:pPr lvl="1"/>
             <a:r>
               <a:rPr lang="en-US" dirty="0"/>
-              <a:t>Features:</a:t>
+              <a:t>OAuth2Manager, </a:t>
+            </a:r>
+            <a:r>
+              <a:rPr lang="en-US" dirty="0" err="1"/>
+              <a:t>BackgroundTaskManager</a:t>
+            </a:r>
+            <a:r>
+              <a:rPr lang="en-US" dirty="0"/>
+              <a:t>, </a:t>
+            </a:r>
+            <a:r>
+              <a:rPr lang="en-US" dirty="0" err="1"/>
+              <a:t>CameraCaptureUI</a:t>
+            </a:r>
+            <a:r>
+              <a:rPr lang="en-US" dirty="0"/>
+              <a:t>, </a:t>
+            </a:r>
+            <a:r>
+              <a:rPr lang="en-US" dirty="0" err="1"/>
+              <a:t>TitleBar</a:t>
+            </a:r>
+            <a:r>
+              <a:rPr lang="en-US" dirty="0"/>
+              <a:t> improvements in 1.7</a:t>
+            </a:r>
+          </a:p>
+          <a:p>
+            <a:pPr lvl="1"/>
+            <a:r>
+              <a:rPr lang="en-US" dirty="0"/>
+              <a:t>Continued work on XAML Designer in 1.7 &amp; 1.8</a:t>
             </a:r>
           </a:p>
           <a:p>
@@ -6499,17 +6743,41 @@
             </a:r>
             <a:r>
               <a:rPr lang="en-US" dirty="0"/>
-              <a:t> roadmap on GitHub</a:t>
-            </a:r>
-          </a:p>
-          <a:p>
-            <a:r>
-              <a:rPr lang="en-US" dirty="0"/>
-              <a:t>Windows App SDK roadmap on GitHub</a:t>
-            </a:r>
-          </a:p>
-        </p:txBody>
-      </p:sp>
+              <a:t> &amp; Windows App SDK roadmap</a:t>
+            </a:r>
+          </a:p>
+        </p:txBody>
+      </p:sp>
+      <p:pic>
+        <p:nvPicPr>
+          <p:cNvPr id="5" name="Picture 4">
+            <a:extLst>
+              <a:ext uri="{FF2B5EF4-FFF2-40B4-BE49-F238E27FC236}">
+                <a16:creationId xmlns:a16="http://schemas.microsoft.com/office/drawing/2014/main" id="{1E9BFB19-86B5-4FEA-3709-13E9493E2213}"/>
+              </a:ext>
+            </a:extLst>
+          </p:cNvPr>
+          <p:cNvPicPr>
+            <a:picLocks noChangeAspect="1"/>
+          </p:cNvPicPr>
+          <p:nvPr/>
+        </p:nvPicPr>
+        <p:blipFill>
+          <a:blip r:embed="rId3"/>
+          <a:stretch>
+            <a:fillRect/>
+          </a:stretch>
+        </p:blipFill>
+        <p:spPr>
+          <a:xfrm>
+            <a:off x="7391400" y="3354387"/>
+            <a:ext cx="1376363" cy="1376363"/>
+          </a:xfrm>
+          <a:prstGeom prst="rect">
+            <a:avLst/>
+          </a:prstGeom>
+        </p:spPr>
+      </p:pic>
     </p:spTree>
     <p:extLst>
       <p:ext uri="{BB962C8B-B14F-4D97-AF65-F5344CB8AC3E}">
@@ -6526,6 +6794,40 @@
 <file path=ppt/slides/slide13.xml><?xml version="1.0" encoding="utf-8"?>
 <p:sld xmlns:a="http://schemas.openxmlformats.org/drawingml/2006/main" xmlns:r="http://schemas.openxmlformats.org/officeDocument/2006/relationships" xmlns:p="http://schemas.openxmlformats.org/presentationml/2006/main">
   <p:cSld>
+    <p:bg>
+      <p:bgPr>
+        <a:gradFill>
+          <a:gsLst>
+            <a:gs pos="0">
+              <a:schemeClr val="accent5">
+                <a:lumMod val="5000"/>
+                <a:lumOff val="95000"/>
+              </a:schemeClr>
+            </a:gs>
+            <a:gs pos="74000">
+              <a:schemeClr val="accent5">
+                <a:lumMod val="45000"/>
+                <a:lumOff val="55000"/>
+              </a:schemeClr>
+            </a:gs>
+            <a:gs pos="83000">
+              <a:schemeClr val="accent5">
+                <a:lumMod val="45000"/>
+                <a:lumOff val="55000"/>
+              </a:schemeClr>
+            </a:gs>
+            <a:gs pos="100000">
+              <a:schemeClr val="accent5">
+                <a:lumMod val="30000"/>
+                <a:lumOff val="70000"/>
+              </a:schemeClr>
+            </a:gs>
+          </a:gsLst>
+          <a:lin ang="5400000" scaled="1"/>
+        </a:gradFill>
+        <a:effectLst/>
+      </p:bgPr>
+    </p:bg>
     <p:spTree>
       <p:nvGrpSpPr>
         <p:cNvPr id="1" name=""/>
@@ -6649,6 +6951,40 @@
 <file path=ppt/slides/slide14.xml><?xml version="1.0" encoding="utf-8"?>
 <p:sld xmlns:a="http://schemas.openxmlformats.org/drawingml/2006/main" xmlns:r="http://schemas.openxmlformats.org/officeDocument/2006/relationships" xmlns:p="http://schemas.openxmlformats.org/presentationml/2006/main">
   <p:cSld>
+    <p:bg>
+      <p:bgPr>
+        <a:gradFill>
+          <a:gsLst>
+            <a:gs pos="0">
+              <a:schemeClr val="accent5">
+                <a:lumMod val="5000"/>
+                <a:lumOff val="95000"/>
+              </a:schemeClr>
+            </a:gs>
+            <a:gs pos="74000">
+              <a:schemeClr val="accent5">
+                <a:lumMod val="45000"/>
+                <a:lumOff val="55000"/>
+              </a:schemeClr>
+            </a:gs>
+            <a:gs pos="83000">
+              <a:schemeClr val="accent5">
+                <a:lumMod val="45000"/>
+                <a:lumOff val="55000"/>
+              </a:schemeClr>
+            </a:gs>
+            <a:gs pos="100000">
+              <a:schemeClr val="accent5">
+                <a:lumMod val="30000"/>
+                <a:lumOff val="70000"/>
+              </a:schemeClr>
+            </a:gs>
+          </a:gsLst>
+          <a:lin ang="5400000" scaled="1"/>
+        </a:gradFill>
+        <a:effectLst/>
+      </p:bgPr>
+    </p:bg>
     <p:spTree>
       <p:nvGrpSpPr>
         <p:cNvPr id="1" name="">
@@ -6952,6 +7288,41 @@
 <file path=ppt/slides/slide2.xml><?xml version="1.0" encoding="utf-8"?>
 <p:sld xmlns:a="http://schemas.openxmlformats.org/drawingml/2006/main" xmlns:r="http://schemas.openxmlformats.org/officeDocument/2006/relationships" xmlns:p="http://schemas.openxmlformats.org/presentationml/2006/main">
   <p:cSld>
+    <p:bg>
+      <p:bgPr>
+        <a:gradFill flip="none" rotWithShape="1">
+          <a:gsLst>
+            <a:gs pos="0">
+              <a:schemeClr val="accent5">
+                <a:lumMod val="5000"/>
+                <a:lumOff val="95000"/>
+              </a:schemeClr>
+            </a:gs>
+            <a:gs pos="74000">
+              <a:schemeClr val="accent5">
+                <a:lumMod val="45000"/>
+                <a:lumOff val="55000"/>
+              </a:schemeClr>
+            </a:gs>
+            <a:gs pos="83000">
+              <a:schemeClr val="accent5">
+                <a:lumMod val="45000"/>
+                <a:lumOff val="55000"/>
+              </a:schemeClr>
+            </a:gs>
+            <a:gs pos="100000">
+              <a:schemeClr val="accent5">
+                <a:lumMod val="30000"/>
+                <a:lumOff val="70000"/>
+              </a:schemeClr>
+            </a:gs>
+          </a:gsLst>
+          <a:lin ang="5400000" scaled="1"/>
+          <a:tileRect/>
+        </a:gradFill>
+        <a:effectLst/>
+      </p:bgPr>
+    </p:bg>
     <p:spTree>
       <p:nvGrpSpPr>
         <p:cNvPr id="1" name=""/>
@@ -7213,7 +7584,7 @@
           <p:nvPr/>
         </p:nvPicPr>
         <p:blipFill>
-          <a:blip r:embed="rId2">
+          <a:blip r:embed="rId3">
             <a:extLst>
               <a:ext uri="{28A0092B-C50C-407E-A947-70E740481C1C}">
                 <a14:useLocalDpi xmlns:a14="http://schemas.microsoft.com/office/drawing/2010/main" val="0"/>
@@ -7249,6 +7620,40 @@
 <file path=ppt/slides/slide3.xml><?xml version="1.0" encoding="utf-8"?>
 <p:sld xmlns:a="http://schemas.openxmlformats.org/drawingml/2006/main" xmlns:r="http://schemas.openxmlformats.org/officeDocument/2006/relationships" xmlns:p="http://schemas.openxmlformats.org/presentationml/2006/main">
   <p:cSld>
+    <p:bg>
+      <p:bgPr>
+        <a:gradFill>
+          <a:gsLst>
+            <a:gs pos="0">
+              <a:schemeClr val="accent5">
+                <a:lumMod val="5000"/>
+                <a:lumOff val="95000"/>
+              </a:schemeClr>
+            </a:gs>
+            <a:gs pos="74000">
+              <a:schemeClr val="accent5">
+                <a:lumMod val="45000"/>
+                <a:lumOff val="55000"/>
+              </a:schemeClr>
+            </a:gs>
+            <a:gs pos="83000">
+              <a:schemeClr val="accent5">
+                <a:lumMod val="45000"/>
+                <a:lumOff val="55000"/>
+              </a:schemeClr>
+            </a:gs>
+            <a:gs pos="100000">
+              <a:schemeClr val="accent5">
+                <a:lumMod val="30000"/>
+                <a:lumOff val="70000"/>
+              </a:schemeClr>
+            </a:gs>
+          </a:gsLst>
+          <a:lin ang="5400000" scaled="1"/>
+        </a:gradFill>
+        <a:effectLst/>
+      </p:bgPr>
+    </p:bg>
     <p:spTree>
       <p:nvGrpSpPr>
         <p:cNvPr id="1" name=""/>
@@ -7355,6 +7760,40 @@
 <file path=ppt/slides/slide4.xml><?xml version="1.0" encoding="utf-8"?>
 <p:sld xmlns:a="http://schemas.openxmlformats.org/drawingml/2006/main" xmlns:r="http://schemas.openxmlformats.org/officeDocument/2006/relationships" xmlns:p="http://schemas.openxmlformats.org/presentationml/2006/main">
   <p:cSld>
+    <p:bg>
+      <p:bgPr>
+        <a:gradFill>
+          <a:gsLst>
+            <a:gs pos="0">
+              <a:schemeClr val="accent5">
+                <a:lumMod val="5000"/>
+                <a:lumOff val="95000"/>
+              </a:schemeClr>
+            </a:gs>
+            <a:gs pos="74000">
+              <a:schemeClr val="accent5">
+                <a:lumMod val="45000"/>
+                <a:lumOff val="55000"/>
+              </a:schemeClr>
+            </a:gs>
+            <a:gs pos="83000">
+              <a:schemeClr val="accent5">
+                <a:lumMod val="45000"/>
+                <a:lumOff val="55000"/>
+              </a:schemeClr>
+            </a:gs>
+            <a:gs pos="100000">
+              <a:schemeClr val="accent5">
+                <a:lumMod val="30000"/>
+                <a:lumOff val="70000"/>
+              </a:schemeClr>
+            </a:gs>
+          </a:gsLst>
+          <a:lin ang="5400000" scaled="1"/>
+        </a:gradFill>
+        <a:effectLst/>
+      </p:bgPr>
+    </p:bg>
     <p:spTree>
       <p:nvGrpSpPr>
         <p:cNvPr id="1" name=""/>
@@ -7494,7 +7933,7 @@
           <a:p>
             <a:r>
               <a:rPr lang="en-US" dirty="0"/>
-              <a:t>Cross-platform app demo</a:t>
+              <a:t>Cross-platform app demo w/ Uno Platform</a:t>
             </a:r>
           </a:p>
           <a:p>
@@ -7525,6 +7964,40 @@
 <file path=ppt/slides/slide5.xml><?xml version="1.0" encoding="utf-8"?>
 <p:sld xmlns:a="http://schemas.openxmlformats.org/drawingml/2006/main" xmlns:r="http://schemas.openxmlformats.org/officeDocument/2006/relationships" xmlns:p="http://schemas.openxmlformats.org/presentationml/2006/main">
   <p:cSld>
+    <p:bg>
+      <p:bgPr>
+        <a:gradFill>
+          <a:gsLst>
+            <a:gs pos="0">
+              <a:schemeClr val="accent5">
+                <a:lumMod val="5000"/>
+                <a:lumOff val="95000"/>
+              </a:schemeClr>
+            </a:gs>
+            <a:gs pos="74000">
+              <a:schemeClr val="accent5">
+                <a:lumMod val="45000"/>
+                <a:lumOff val="55000"/>
+              </a:schemeClr>
+            </a:gs>
+            <a:gs pos="83000">
+              <a:schemeClr val="accent5">
+                <a:lumMod val="45000"/>
+                <a:lumOff val="55000"/>
+              </a:schemeClr>
+            </a:gs>
+            <a:gs pos="100000">
+              <a:schemeClr val="accent5">
+                <a:lumMod val="30000"/>
+                <a:lumOff val="70000"/>
+              </a:schemeClr>
+            </a:gs>
+          </a:gsLst>
+          <a:lin ang="5400000" scaled="1"/>
+        </a:gradFill>
+        <a:effectLst/>
+      </p:bgPr>
+    </p:bg>
     <p:spTree>
       <p:nvGrpSpPr>
         <p:cNvPr id="1" name=""/>
@@ -7707,6 +8180,40 @@
 <file path=ppt/slides/slide6.xml><?xml version="1.0" encoding="utf-8"?>
 <p:sld xmlns:a="http://schemas.openxmlformats.org/drawingml/2006/main" xmlns:r="http://schemas.openxmlformats.org/officeDocument/2006/relationships" xmlns:p="http://schemas.openxmlformats.org/presentationml/2006/main">
   <p:cSld>
+    <p:bg>
+      <p:bgPr>
+        <a:gradFill>
+          <a:gsLst>
+            <a:gs pos="0">
+              <a:schemeClr val="accent5">
+                <a:lumMod val="5000"/>
+                <a:lumOff val="95000"/>
+              </a:schemeClr>
+            </a:gs>
+            <a:gs pos="74000">
+              <a:schemeClr val="accent5">
+                <a:lumMod val="45000"/>
+                <a:lumOff val="55000"/>
+              </a:schemeClr>
+            </a:gs>
+            <a:gs pos="83000">
+              <a:schemeClr val="accent5">
+                <a:lumMod val="45000"/>
+                <a:lumOff val="55000"/>
+              </a:schemeClr>
+            </a:gs>
+            <a:gs pos="100000">
+              <a:schemeClr val="accent5">
+                <a:lumMod val="30000"/>
+                <a:lumOff val="70000"/>
+              </a:schemeClr>
+            </a:gs>
+          </a:gsLst>
+          <a:lin ang="5400000" scaled="1"/>
+        </a:gradFill>
+        <a:effectLst/>
+      </p:bgPr>
+    </p:bg>
     <p:spTree>
       <p:nvGrpSpPr>
         <p:cNvPr id="1" name=""/>
@@ -7883,6 +8390,40 @@
 <file path=ppt/slides/slide7.xml><?xml version="1.0" encoding="utf-8"?>
 <p:sld xmlns:a="http://schemas.openxmlformats.org/drawingml/2006/main" xmlns:r="http://schemas.openxmlformats.org/officeDocument/2006/relationships" xmlns:p="http://schemas.openxmlformats.org/presentationml/2006/main">
   <p:cSld>
+    <p:bg>
+      <p:bgPr>
+        <a:gradFill>
+          <a:gsLst>
+            <a:gs pos="0">
+              <a:schemeClr val="accent5">
+                <a:lumMod val="5000"/>
+                <a:lumOff val="95000"/>
+              </a:schemeClr>
+            </a:gs>
+            <a:gs pos="74000">
+              <a:schemeClr val="accent5">
+                <a:lumMod val="45000"/>
+                <a:lumOff val="55000"/>
+              </a:schemeClr>
+            </a:gs>
+            <a:gs pos="83000">
+              <a:schemeClr val="accent5">
+                <a:lumMod val="45000"/>
+                <a:lumOff val="55000"/>
+              </a:schemeClr>
+            </a:gs>
+            <a:gs pos="100000">
+              <a:schemeClr val="accent5">
+                <a:lumMod val="30000"/>
+                <a:lumOff val="70000"/>
+              </a:schemeClr>
+            </a:gs>
+          </a:gsLst>
+          <a:lin ang="5400000" scaled="1"/>
+        </a:gradFill>
+        <a:effectLst/>
+      </p:bgPr>
+    </p:bg>
     <p:spTree>
       <p:nvGrpSpPr>
         <p:cNvPr id="1" name=""/>
@@ -8096,6 +8637,40 @@
 <file path=ppt/slides/slide8.xml><?xml version="1.0" encoding="utf-8"?>
 <p:sld xmlns:a="http://schemas.openxmlformats.org/drawingml/2006/main" xmlns:r="http://schemas.openxmlformats.org/officeDocument/2006/relationships" xmlns:p="http://schemas.openxmlformats.org/presentationml/2006/main">
   <p:cSld>
+    <p:bg>
+      <p:bgPr>
+        <a:gradFill>
+          <a:gsLst>
+            <a:gs pos="0">
+              <a:schemeClr val="accent5">
+                <a:lumMod val="5000"/>
+                <a:lumOff val="95000"/>
+              </a:schemeClr>
+            </a:gs>
+            <a:gs pos="74000">
+              <a:schemeClr val="accent5">
+                <a:lumMod val="45000"/>
+                <a:lumOff val="55000"/>
+              </a:schemeClr>
+            </a:gs>
+            <a:gs pos="83000">
+              <a:schemeClr val="accent5">
+                <a:lumMod val="45000"/>
+                <a:lumOff val="55000"/>
+              </a:schemeClr>
+            </a:gs>
+            <a:gs pos="100000">
+              <a:schemeClr val="accent5">
+                <a:lumMod val="30000"/>
+                <a:lumOff val="70000"/>
+              </a:schemeClr>
+            </a:gs>
+          </a:gsLst>
+          <a:lin ang="5400000" scaled="1"/>
+        </a:gradFill>
+        <a:effectLst/>
+      </p:bgPr>
+    </p:bg>
     <p:spTree>
       <p:nvGrpSpPr>
         <p:cNvPr id="1" name=""/>
@@ -8174,7 +8749,14 @@
           <a:lstStyle/>
           <a:p>
             <a:r>
-              <a:rPr lang="en-US" dirty="0"/>
+              <a:rPr lang="en-US" dirty="0">
+                <a:solidFill>
+                  <a:schemeClr val="tx1">
+                    <a:lumMod val="85000"/>
+                    <a:lumOff val="15000"/>
+                  </a:schemeClr>
+                </a:solidFill>
+              </a:rPr>
               <a:t>Using the Windows App SDK Notifications APIs</a:t>
             </a:r>
           </a:p>
@@ -8196,6 +8778,40 @@
 <file path=ppt/slides/slide9.xml><?xml version="1.0" encoding="utf-8"?>
 <p:sld xmlns:a="http://schemas.openxmlformats.org/drawingml/2006/main" xmlns:r="http://schemas.openxmlformats.org/officeDocument/2006/relationships" xmlns:p="http://schemas.openxmlformats.org/presentationml/2006/main">
   <p:cSld>
+    <p:bg>
+      <p:bgPr>
+        <a:gradFill>
+          <a:gsLst>
+            <a:gs pos="0">
+              <a:schemeClr val="accent5">
+                <a:lumMod val="5000"/>
+                <a:lumOff val="95000"/>
+              </a:schemeClr>
+            </a:gs>
+            <a:gs pos="74000">
+              <a:schemeClr val="accent5">
+                <a:lumMod val="45000"/>
+                <a:lumOff val="55000"/>
+              </a:schemeClr>
+            </a:gs>
+            <a:gs pos="83000">
+              <a:schemeClr val="accent5">
+                <a:lumMod val="45000"/>
+                <a:lumOff val="55000"/>
+              </a:schemeClr>
+            </a:gs>
+            <a:gs pos="100000">
+              <a:schemeClr val="accent5">
+                <a:lumMod val="30000"/>
+                <a:lumOff val="70000"/>
+              </a:schemeClr>
+            </a:gs>
+          </a:gsLst>
+          <a:lin ang="5400000" scaled="1"/>
+        </a:gradFill>
+        <a:effectLst/>
+      </p:bgPr>
+    </p:bg>
     <p:spTree>
       <p:nvGrpSpPr>
         <p:cNvPr id="1" name=""/>
@@ -8346,6 +8962,42 @@
           </a:p>
         </p:txBody>
       </p:sp>
+      <p:pic>
+        <p:nvPicPr>
+          <p:cNvPr id="5" name="Picture 4" descr="A qr code with dots&#10;&#10;AI-generated content may be incorrect.">
+            <a:extLst>
+              <a:ext uri="{FF2B5EF4-FFF2-40B4-BE49-F238E27FC236}">
+                <a16:creationId xmlns:a16="http://schemas.microsoft.com/office/drawing/2014/main" id="{5E7FF8DC-AEB4-36C0-9F9D-08DD1290A0B7}"/>
+              </a:ext>
+            </a:extLst>
+          </p:cNvPr>
+          <p:cNvPicPr>
+            <a:picLocks noChangeAspect="1"/>
+          </p:cNvPicPr>
+          <p:nvPr/>
+        </p:nvPicPr>
+        <p:blipFill>
+          <a:blip r:embed="rId4" cstate="print">
+            <a:extLst>
+              <a:ext uri="{28A0092B-C50C-407E-A947-70E740481C1C}">
+                <a14:useLocalDpi xmlns:a14="http://schemas.microsoft.com/office/drawing/2010/main" val="0"/>
+              </a:ext>
+            </a:extLst>
+          </a:blip>
+          <a:stretch>
+            <a:fillRect/>
+          </a:stretch>
+        </p:blipFill>
+        <p:spPr>
+          <a:xfrm>
+            <a:off x="7381875" y="3252203"/>
+            <a:ext cx="1304925" cy="1304925"/>
+          </a:xfrm>
+          <a:prstGeom prst="rect">
+            <a:avLst/>
+          </a:prstGeom>
+        </p:spPr>
+      </p:pic>
     </p:spTree>
     <p:extLst>
       <p:ext uri="{BB962C8B-B14F-4D97-AF65-F5344CB8AC3E}">
